--- a/02_paper/02_study/02_fitbit paper/images/Model_Teacher_Stress_adapted_new.pptx
+++ b/02_paper/02_study/02_fitbit paper/images/Model_Teacher_Stress_adapted_new.pptx
@@ -116,19 +116,35 @@
 <pc:chgInfo xmlns:a="http://schemas.openxmlformats.org/drawingml/2006/main" xmlns:r="http://schemas.openxmlformats.org/officeDocument/2006/relationships" xmlns:ac="http://schemas.microsoft.com/office/drawing/2013/main/command" xmlns:pc="http://schemas.microsoft.com/office/powerpoint/2013/main/command">
   <pc:docChgLst>
     <pc:chgData name="Mandy Klatt" userId="505858402c07da9d" providerId="LiveId" clId="{673630ED-CDE7-4DA8-B982-18D95AA46816}"/>
-    <pc:docChg chg="modSld">
-      <pc:chgData name="Mandy Klatt" userId="505858402c07da9d" providerId="LiveId" clId="{673630ED-CDE7-4DA8-B982-18D95AA46816}" dt="2024-02-26T14:42:28.086" v="11" actId="20577"/>
+    <pc:docChg chg="undo custSel modSld">
+      <pc:chgData name="Mandy Klatt" userId="505858402c07da9d" providerId="LiveId" clId="{673630ED-CDE7-4DA8-B982-18D95AA46816}" dt="2024-02-29T15:04:24.827" v="185" actId="1036"/>
       <pc:docMkLst>
         <pc:docMk/>
       </pc:docMkLst>
-      <pc:sldChg chg="addSp modSp mod">
-        <pc:chgData name="Mandy Klatt" userId="505858402c07da9d" providerId="LiveId" clId="{673630ED-CDE7-4DA8-B982-18D95AA46816}" dt="2024-02-26T14:42:28.086" v="11" actId="20577"/>
+      <pc:sldChg chg="addSp delSp modSp mod">
+        <pc:chgData name="Mandy Klatt" userId="505858402c07da9d" providerId="LiveId" clId="{673630ED-CDE7-4DA8-B982-18D95AA46816}" dt="2024-02-29T15:04:24.827" v="185" actId="1036"/>
         <pc:sldMkLst>
           <pc:docMk/>
           <pc:sldMk cId="3067625557" sldId="256"/>
         </pc:sldMkLst>
         <pc:spChg chg="mod">
-          <ac:chgData name="Mandy Klatt" userId="505858402c07da9d" providerId="LiveId" clId="{673630ED-CDE7-4DA8-B982-18D95AA46816}" dt="2024-02-26T14:42:23.811" v="9" actId="20577"/>
+          <ac:chgData name="Mandy Klatt" userId="505858402c07da9d" providerId="LiveId" clId="{673630ED-CDE7-4DA8-B982-18D95AA46816}" dt="2024-02-29T15:04:24.827" v="185" actId="1036"/>
+          <ac:spMkLst>
+            <pc:docMk/>
+            <pc:sldMk cId="3067625557" sldId="256"/>
+            <ac:spMk id="4" creationId="{5264A506-4DDE-4E83-B95C-FA5600898B9F}"/>
+          </ac:spMkLst>
+        </pc:spChg>
+        <pc:spChg chg="mod">
+          <ac:chgData name="Mandy Klatt" userId="505858402c07da9d" providerId="LiveId" clId="{673630ED-CDE7-4DA8-B982-18D95AA46816}" dt="2024-02-29T15:04:24.827" v="185" actId="1036"/>
+          <ac:spMkLst>
+            <pc:docMk/>
+            <pc:sldMk cId="3067625557" sldId="256"/>
+            <ac:spMk id="5" creationId="{113B36CB-CD74-408C-87F2-FA2F595D96E1}"/>
+          </ac:spMkLst>
+        </pc:spChg>
+        <pc:spChg chg="mod">
+          <ac:chgData name="Mandy Klatt" userId="505858402c07da9d" providerId="LiveId" clId="{673630ED-CDE7-4DA8-B982-18D95AA46816}" dt="2024-02-29T15:04:24.827" v="185" actId="1036"/>
           <ac:spMkLst>
             <pc:docMk/>
             <pc:sldMk cId="3067625557" sldId="256"/>
@@ -136,15 +152,39 @@
           </ac:spMkLst>
         </pc:spChg>
         <pc:spChg chg="mod">
-          <ac:chgData name="Mandy Klatt" userId="505858402c07da9d" providerId="LiveId" clId="{673630ED-CDE7-4DA8-B982-18D95AA46816}" dt="2024-02-26T14:42:28.086" v="11" actId="20577"/>
+          <ac:chgData name="Mandy Klatt" userId="505858402c07da9d" providerId="LiveId" clId="{673630ED-CDE7-4DA8-B982-18D95AA46816}" dt="2024-02-29T15:04:24.827" v="185" actId="1036"/>
           <ac:spMkLst>
             <pc:docMk/>
             <pc:sldMk cId="3067625557" sldId="256"/>
             <ac:spMk id="11" creationId="{D69123BD-30E6-40C3-8411-9E7FC58ABD70}"/>
           </ac:spMkLst>
         </pc:spChg>
+        <pc:spChg chg="mod">
+          <ac:chgData name="Mandy Klatt" userId="505858402c07da9d" providerId="LiveId" clId="{673630ED-CDE7-4DA8-B982-18D95AA46816}" dt="2024-02-29T15:04:24.827" v="185" actId="1036"/>
+          <ac:spMkLst>
+            <pc:docMk/>
+            <pc:sldMk cId="3067625557" sldId="256"/>
+            <ac:spMk id="14" creationId="{441913AF-7CB1-44BE-BB8E-179AD4548DC8}"/>
+          </ac:spMkLst>
+        </pc:spChg>
+        <pc:spChg chg="mod">
+          <ac:chgData name="Mandy Klatt" userId="505858402c07da9d" providerId="LiveId" clId="{673630ED-CDE7-4DA8-B982-18D95AA46816}" dt="2024-02-29T15:04:24.827" v="185" actId="1036"/>
+          <ac:spMkLst>
+            <pc:docMk/>
+            <pc:sldMk cId="3067625557" sldId="256"/>
+            <ac:spMk id="15" creationId="{76E22C50-DC2D-48F7-ABAC-EF7F3AC5A564}"/>
+          </ac:spMkLst>
+        </pc:spChg>
+        <pc:spChg chg="mod">
+          <ac:chgData name="Mandy Klatt" userId="505858402c07da9d" providerId="LiveId" clId="{673630ED-CDE7-4DA8-B982-18D95AA46816}" dt="2024-02-29T15:04:24.827" v="185" actId="1036"/>
+          <ac:spMkLst>
+            <pc:docMk/>
+            <pc:sldMk cId="3067625557" sldId="256"/>
+            <ac:spMk id="16" creationId="{E111BC02-1F35-4BCB-9656-4F1DCF651BF1}"/>
+          </ac:spMkLst>
+        </pc:spChg>
         <pc:spChg chg="add mod">
-          <ac:chgData name="Mandy Klatt" userId="505858402c07da9d" providerId="LiveId" clId="{673630ED-CDE7-4DA8-B982-18D95AA46816}" dt="2024-02-26T14:40:39.790" v="3" actId="1076"/>
+          <ac:chgData name="Mandy Klatt" userId="505858402c07da9d" providerId="LiveId" clId="{673630ED-CDE7-4DA8-B982-18D95AA46816}" dt="2024-02-29T15:04:24.827" v="185" actId="1036"/>
           <ac:spMkLst>
             <pc:docMk/>
             <pc:sldMk cId="3067625557" sldId="256"/>
@@ -152,7 +192,7 @@
           </ac:spMkLst>
         </pc:spChg>
         <pc:spChg chg="add mod">
-          <ac:chgData name="Mandy Klatt" userId="505858402c07da9d" providerId="LiveId" clId="{673630ED-CDE7-4DA8-B982-18D95AA46816}" dt="2024-02-26T14:41:57.772" v="7" actId="122"/>
+          <ac:chgData name="Mandy Klatt" userId="505858402c07da9d" providerId="LiveId" clId="{673630ED-CDE7-4DA8-B982-18D95AA46816}" dt="2024-02-29T15:04:24.827" v="185" actId="1036"/>
           <ac:spMkLst>
             <pc:docMk/>
             <pc:sldMk cId="3067625557" sldId="256"/>
@@ -160,11 +200,195 @@
           </ac:spMkLst>
         </pc:spChg>
         <pc:cxnChg chg="mod">
-          <ac:chgData name="Mandy Klatt" userId="505858402c07da9d" providerId="LiveId" clId="{673630ED-CDE7-4DA8-B982-18D95AA46816}" dt="2024-02-26T14:40:31.557" v="2" actId="1076"/>
+          <ac:chgData name="Mandy Klatt" userId="505858402c07da9d" providerId="LiveId" clId="{673630ED-CDE7-4DA8-B982-18D95AA46816}" dt="2024-02-29T15:04:24.827" v="185" actId="1036"/>
+          <ac:cxnSpMkLst>
+            <pc:docMk/>
+            <pc:sldMk cId="3067625557" sldId="256"/>
+            <ac:cxnSpMk id="2" creationId="{18819259-5B6D-3B9D-DF0A-514A3ABD6194}"/>
+          </ac:cxnSpMkLst>
+        </pc:cxnChg>
+        <pc:cxnChg chg="mod">
+          <ac:chgData name="Mandy Klatt" userId="505858402c07da9d" providerId="LiveId" clId="{673630ED-CDE7-4DA8-B982-18D95AA46816}" dt="2024-02-29T15:04:24.827" v="185" actId="1036"/>
+          <ac:cxnSpMkLst>
+            <pc:docMk/>
+            <pc:sldMk cId="3067625557" sldId="256"/>
+            <ac:cxnSpMk id="7" creationId="{87748F17-D02A-17C4-8653-40BABEF160A9}"/>
+          </ac:cxnSpMkLst>
+        </pc:cxnChg>
+        <pc:cxnChg chg="mod">
+          <ac:chgData name="Mandy Klatt" userId="505858402c07da9d" providerId="LiveId" clId="{673630ED-CDE7-4DA8-B982-18D95AA46816}" dt="2024-02-29T15:04:24.827" v="185" actId="1036"/>
+          <ac:cxnSpMkLst>
+            <pc:docMk/>
+            <pc:sldMk cId="3067625557" sldId="256"/>
+            <ac:cxnSpMk id="9" creationId="{39A2FBD9-8D60-6AD4-104B-72139EA7A160}"/>
+          </ac:cxnSpMkLst>
+        </pc:cxnChg>
+        <pc:cxnChg chg="mod">
+          <ac:chgData name="Mandy Klatt" userId="505858402c07da9d" providerId="LiveId" clId="{673630ED-CDE7-4DA8-B982-18D95AA46816}" dt="2024-02-29T15:04:24.827" v="185" actId="1036"/>
+          <ac:cxnSpMkLst>
+            <pc:docMk/>
+            <pc:sldMk cId="3067625557" sldId="256"/>
+            <ac:cxnSpMk id="20" creationId="{0C047FC9-72B4-F0DE-9461-1C842286C002}"/>
+          </ac:cxnSpMkLst>
+        </pc:cxnChg>
+        <pc:cxnChg chg="mod">
+          <ac:chgData name="Mandy Klatt" userId="505858402c07da9d" providerId="LiveId" clId="{673630ED-CDE7-4DA8-B982-18D95AA46816}" dt="2024-02-29T15:04:24.827" v="185" actId="1036"/>
+          <ac:cxnSpMkLst>
+            <pc:docMk/>
+            <pc:sldMk cId="3067625557" sldId="256"/>
+            <ac:cxnSpMk id="23" creationId="{E8C4BCB1-F74F-47B0-89ED-F973A76E838D}"/>
+          </ac:cxnSpMkLst>
+        </pc:cxnChg>
+        <pc:cxnChg chg="mod">
+          <ac:chgData name="Mandy Klatt" userId="505858402c07da9d" providerId="LiveId" clId="{673630ED-CDE7-4DA8-B982-18D95AA46816}" dt="2024-02-29T15:04:24.827" v="185" actId="1036"/>
+          <ac:cxnSpMkLst>
+            <pc:docMk/>
+            <pc:sldMk cId="3067625557" sldId="256"/>
+            <ac:cxnSpMk id="24" creationId="{CE7A3E71-B560-9638-D282-75D9DC6B716C}"/>
+          </ac:cxnSpMkLst>
+        </pc:cxnChg>
+        <pc:cxnChg chg="mod">
+          <ac:chgData name="Mandy Klatt" userId="505858402c07da9d" providerId="LiveId" clId="{673630ED-CDE7-4DA8-B982-18D95AA46816}" dt="2024-02-29T15:04:24.827" v="185" actId="1036"/>
+          <ac:cxnSpMkLst>
+            <pc:docMk/>
+            <pc:sldMk cId="3067625557" sldId="256"/>
+            <ac:cxnSpMk id="26" creationId="{69ACED7C-8706-C347-B044-591C4314993D}"/>
+          </ac:cxnSpMkLst>
+        </pc:cxnChg>
+        <pc:cxnChg chg="mod">
+          <ac:chgData name="Mandy Klatt" userId="505858402c07da9d" providerId="LiveId" clId="{673630ED-CDE7-4DA8-B982-18D95AA46816}" dt="2024-02-29T15:04:24.827" v="185" actId="1036"/>
+          <ac:cxnSpMkLst>
+            <pc:docMk/>
+            <pc:sldMk cId="3067625557" sldId="256"/>
+            <ac:cxnSpMk id="27" creationId="{F87F33CC-89F5-4EAB-863F-4883C2A045C7}"/>
+          </ac:cxnSpMkLst>
+        </pc:cxnChg>
+        <pc:cxnChg chg="mod">
+          <ac:chgData name="Mandy Klatt" userId="505858402c07da9d" providerId="LiveId" clId="{673630ED-CDE7-4DA8-B982-18D95AA46816}" dt="2024-02-29T15:04:24.827" v="185" actId="1036"/>
+          <ac:cxnSpMkLst>
+            <pc:docMk/>
+            <pc:sldMk cId="3067625557" sldId="256"/>
+            <ac:cxnSpMk id="29" creationId="{D7F4C872-8BE6-4F6B-86F7-23FCC0A7596E}"/>
+          </ac:cxnSpMkLst>
+        </pc:cxnChg>
+        <pc:cxnChg chg="mod">
+          <ac:chgData name="Mandy Klatt" userId="505858402c07da9d" providerId="LiveId" clId="{673630ED-CDE7-4DA8-B982-18D95AA46816}" dt="2024-02-29T15:04:24.827" v="185" actId="1036"/>
+          <ac:cxnSpMkLst>
+            <pc:docMk/>
+            <pc:sldMk cId="3067625557" sldId="256"/>
+            <ac:cxnSpMk id="30" creationId="{37330382-A3C1-4AE9-B623-F6BCFC039572}"/>
+          </ac:cxnSpMkLst>
+        </pc:cxnChg>
+        <pc:cxnChg chg="mod">
+          <ac:chgData name="Mandy Klatt" userId="505858402c07da9d" providerId="LiveId" clId="{673630ED-CDE7-4DA8-B982-18D95AA46816}" dt="2024-02-29T15:04:24.827" v="185" actId="1036"/>
+          <ac:cxnSpMkLst>
+            <pc:docMk/>
+            <pc:sldMk cId="3067625557" sldId="256"/>
+            <ac:cxnSpMk id="31" creationId="{20231608-8903-457E-BAA4-36A9A24E586C}"/>
+          </ac:cxnSpMkLst>
+        </pc:cxnChg>
+        <pc:cxnChg chg="mod">
+          <ac:chgData name="Mandy Klatt" userId="505858402c07da9d" providerId="LiveId" clId="{673630ED-CDE7-4DA8-B982-18D95AA46816}" dt="2024-02-29T15:04:24.827" v="185" actId="1036"/>
+          <ac:cxnSpMkLst>
+            <pc:docMk/>
+            <pc:sldMk cId="3067625557" sldId="256"/>
+            <ac:cxnSpMk id="32" creationId="{CE7E96F6-6719-2468-D584-7A8A30E948D2}"/>
+          </ac:cxnSpMkLst>
+        </pc:cxnChg>
+        <pc:cxnChg chg="mod">
+          <ac:chgData name="Mandy Klatt" userId="505858402c07da9d" providerId="LiveId" clId="{673630ED-CDE7-4DA8-B982-18D95AA46816}" dt="2024-02-29T15:04:24.827" v="185" actId="1036"/>
+          <ac:cxnSpMkLst>
+            <pc:docMk/>
+            <pc:sldMk cId="3067625557" sldId="256"/>
+            <ac:cxnSpMk id="33" creationId="{CD1053C0-9D98-4318-98D3-8A116F7F9884}"/>
+          </ac:cxnSpMkLst>
+        </pc:cxnChg>
+        <pc:cxnChg chg="add del mod">
+          <ac:chgData name="Mandy Klatt" userId="505858402c07da9d" providerId="LiveId" clId="{673630ED-CDE7-4DA8-B982-18D95AA46816}" dt="2024-02-29T15:04:24.827" v="185" actId="1036"/>
+          <ac:cxnSpMkLst>
+            <pc:docMk/>
+            <pc:sldMk cId="3067625557" sldId="256"/>
+            <ac:cxnSpMk id="36" creationId="{5466E665-719A-53A7-8EA5-DA067D2426F6}"/>
+          </ac:cxnSpMkLst>
+        </pc:cxnChg>
+        <pc:cxnChg chg="mod">
+          <ac:chgData name="Mandy Klatt" userId="505858402c07da9d" providerId="LiveId" clId="{673630ED-CDE7-4DA8-B982-18D95AA46816}" dt="2024-02-29T15:04:24.827" v="185" actId="1036"/>
+          <ac:cxnSpMkLst>
+            <pc:docMk/>
+            <pc:sldMk cId="3067625557" sldId="256"/>
+            <ac:cxnSpMk id="38" creationId="{853671D7-E2B4-3DA8-1483-8AFC3D18E754}"/>
+          </ac:cxnSpMkLst>
+        </pc:cxnChg>
+        <pc:cxnChg chg="add del mod">
+          <ac:chgData name="Mandy Klatt" userId="505858402c07da9d" providerId="LiveId" clId="{673630ED-CDE7-4DA8-B982-18D95AA46816}" dt="2024-02-29T14:36:53.013" v="80" actId="478"/>
+          <ac:cxnSpMkLst>
+            <pc:docMk/>
+            <pc:sldMk cId="3067625557" sldId="256"/>
+            <ac:cxnSpMk id="39" creationId="{B466897C-8150-498A-A596-62286EFBD4A9}"/>
+          </ac:cxnSpMkLst>
+        </pc:cxnChg>
+        <pc:cxnChg chg="mod">
+          <ac:chgData name="Mandy Klatt" userId="505858402c07da9d" providerId="LiveId" clId="{673630ED-CDE7-4DA8-B982-18D95AA46816}" dt="2024-02-29T15:04:24.827" v="185" actId="1036"/>
+          <ac:cxnSpMkLst>
+            <pc:docMk/>
+            <pc:sldMk cId="3067625557" sldId="256"/>
+            <ac:cxnSpMk id="40" creationId="{3B65BE80-FE2D-EBD2-5DD3-7DE1F3C77AEE}"/>
+          </ac:cxnSpMkLst>
+        </pc:cxnChg>
+        <pc:cxnChg chg="mod">
+          <ac:chgData name="Mandy Klatt" userId="505858402c07da9d" providerId="LiveId" clId="{673630ED-CDE7-4DA8-B982-18D95AA46816}" dt="2024-02-29T15:04:24.827" v="185" actId="1036"/>
           <ac:cxnSpMkLst>
             <pc:docMk/>
             <pc:sldMk cId="3067625557" sldId="256"/>
             <ac:cxnSpMk id="43" creationId="{D05AEA29-F808-C25C-057C-94261F37D1D2}"/>
+          </ac:cxnSpMkLst>
+        </pc:cxnChg>
+        <pc:cxnChg chg="add del mod">
+          <ac:chgData name="Mandy Klatt" userId="505858402c07da9d" providerId="LiveId" clId="{673630ED-CDE7-4DA8-B982-18D95AA46816}" dt="2024-02-29T14:39:10.617" v="95" actId="478"/>
+          <ac:cxnSpMkLst>
+            <pc:docMk/>
+            <pc:sldMk cId="3067625557" sldId="256"/>
+            <ac:cxnSpMk id="44" creationId="{DDE4E672-A10A-45CE-BB54-7F94F281AA96}"/>
+          </ac:cxnSpMkLst>
+        </pc:cxnChg>
+        <pc:cxnChg chg="mod">
+          <ac:chgData name="Mandy Klatt" userId="505858402c07da9d" providerId="LiveId" clId="{673630ED-CDE7-4DA8-B982-18D95AA46816}" dt="2024-02-29T15:04:24.827" v="185" actId="1036"/>
+          <ac:cxnSpMkLst>
+            <pc:docMk/>
+            <pc:sldMk cId="3067625557" sldId="256"/>
+            <ac:cxnSpMk id="45" creationId="{0025D9FE-2FEE-DADD-B72C-6B63B95BD26B}"/>
+          </ac:cxnSpMkLst>
+        </pc:cxnChg>
+        <pc:cxnChg chg="add mod">
+          <ac:chgData name="Mandy Klatt" userId="505858402c07da9d" providerId="LiveId" clId="{673630ED-CDE7-4DA8-B982-18D95AA46816}" dt="2024-02-29T15:04:24.827" v="185" actId="1036"/>
+          <ac:cxnSpMkLst>
+            <pc:docMk/>
+            <pc:sldMk cId="3067625557" sldId="256"/>
+            <ac:cxnSpMk id="46" creationId="{0E4DF981-1C9B-45D9-A57E-E8EC4C6279F9}"/>
+          </ac:cxnSpMkLst>
+        </pc:cxnChg>
+        <pc:cxnChg chg="add mod">
+          <ac:chgData name="Mandy Klatt" userId="505858402c07da9d" providerId="LiveId" clId="{673630ED-CDE7-4DA8-B982-18D95AA46816}" dt="2024-02-29T15:04:24.827" v="185" actId="1036"/>
+          <ac:cxnSpMkLst>
+            <pc:docMk/>
+            <pc:sldMk cId="3067625557" sldId="256"/>
+            <ac:cxnSpMk id="47" creationId="{7032950F-EE16-4501-9503-C9BA8F6DEF89}"/>
+          </ac:cxnSpMkLst>
+        </pc:cxnChg>
+        <pc:cxnChg chg="add mod">
+          <ac:chgData name="Mandy Klatt" userId="505858402c07da9d" providerId="LiveId" clId="{673630ED-CDE7-4DA8-B982-18D95AA46816}" dt="2024-02-29T15:04:24.827" v="185" actId="1036"/>
+          <ac:cxnSpMkLst>
+            <pc:docMk/>
+            <pc:sldMk cId="3067625557" sldId="256"/>
+            <ac:cxnSpMk id="50" creationId="{8C3F60A8-BAB2-4CED-A28B-133F9CB89FB1}"/>
+          </ac:cxnSpMkLst>
+        </pc:cxnChg>
+        <pc:cxnChg chg="add mod">
+          <ac:chgData name="Mandy Klatt" userId="505858402c07da9d" providerId="LiveId" clId="{673630ED-CDE7-4DA8-B982-18D95AA46816}" dt="2024-02-29T15:04:24.827" v="185" actId="1036"/>
+          <ac:cxnSpMkLst>
+            <pc:docMk/>
+            <pc:sldMk cId="3067625557" sldId="256"/>
+            <ac:cxnSpMk id="52" creationId="{5914E9D3-C50B-4D4A-8F19-F3EA37EC8C41}"/>
           </ac:cxnSpMkLst>
         </pc:cxnChg>
       </pc:sldChg>
@@ -320,7 +544,7 @@
           <a:p>
             <a:fld id="{498B1C74-F59F-4DD0-82BC-6493AE2D9975}" type="datetimeFigureOut">
               <a:rPr lang="de-DE" smtClean="0"/>
-              <a:t>26.02.2024</a:t>
+              <a:t>29.02.2024</a:t>
             </a:fld>
             <a:endParaRPr lang="de-DE"/>
           </a:p>
@@ -518,7 +742,7 @@
           <a:p>
             <a:fld id="{498B1C74-F59F-4DD0-82BC-6493AE2D9975}" type="datetimeFigureOut">
               <a:rPr lang="de-DE" smtClean="0"/>
-              <a:t>26.02.2024</a:t>
+              <a:t>29.02.2024</a:t>
             </a:fld>
             <a:endParaRPr lang="de-DE"/>
           </a:p>
@@ -726,7 +950,7 @@
           <a:p>
             <a:fld id="{498B1C74-F59F-4DD0-82BC-6493AE2D9975}" type="datetimeFigureOut">
               <a:rPr lang="de-DE" smtClean="0"/>
-              <a:t>26.02.2024</a:t>
+              <a:t>29.02.2024</a:t>
             </a:fld>
             <a:endParaRPr lang="de-DE"/>
           </a:p>
@@ -924,7 +1148,7 @@
           <a:p>
             <a:fld id="{498B1C74-F59F-4DD0-82BC-6493AE2D9975}" type="datetimeFigureOut">
               <a:rPr lang="de-DE" smtClean="0"/>
-              <a:t>26.02.2024</a:t>
+              <a:t>29.02.2024</a:t>
             </a:fld>
             <a:endParaRPr lang="de-DE"/>
           </a:p>
@@ -1199,7 +1423,7 @@
           <a:p>
             <a:fld id="{498B1C74-F59F-4DD0-82BC-6493AE2D9975}" type="datetimeFigureOut">
               <a:rPr lang="de-DE" smtClean="0"/>
-              <a:t>26.02.2024</a:t>
+              <a:t>29.02.2024</a:t>
             </a:fld>
             <a:endParaRPr lang="de-DE"/>
           </a:p>
@@ -1464,7 +1688,7 @@
           <a:p>
             <a:fld id="{498B1C74-F59F-4DD0-82BC-6493AE2D9975}" type="datetimeFigureOut">
               <a:rPr lang="de-DE" smtClean="0"/>
-              <a:t>26.02.2024</a:t>
+              <a:t>29.02.2024</a:t>
             </a:fld>
             <a:endParaRPr lang="de-DE"/>
           </a:p>
@@ -1876,7 +2100,7 @@
           <a:p>
             <a:fld id="{498B1C74-F59F-4DD0-82BC-6493AE2D9975}" type="datetimeFigureOut">
               <a:rPr lang="de-DE" smtClean="0"/>
-              <a:t>26.02.2024</a:t>
+              <a:t>29.02.2024</a:t>
             </a:fld>
             <a:endParaRPr lang="de-DE"/>
           </a:p>
@@ -2017,7 +2241,7 @@
           <a:p>
             <a:fld id="{498B1C74-F59F-4DD0-82BC-6493AE2D9975}" type="datetimeFigureOut">
               <a:rPr lang="de-DE" smtClean="0"/>
-              <a:t>26.02.2024</a:t>
+              <a:t>29.02.2024</a:t>
             </a:fld>
             <a:endParaRPr lang="de-DE"/>
           </a:p>
@@ -2130,7 +2354,7 @@
           <a:p>
             <a:fld id="{498B1C74-F59F-4DD0-82BC-6493AE2D9975}" type="datetimeFigureOut">
               <a:rPr lang="de-DE" smtClean="0"/>
-              <a:t>26.02.2024</a:t>
+              <a:t>29.02.2024</a:t>
             </a:fld>
             <a:endParaRPr lang="de-DE"/>
           </a:p>
@@ -2441,7 +2665,7 @@
           <a:p>
             <a:fld id="{498B1C74-F59F-4DD0-82BC-6493AE2D9975}" type="datetimeFigureOut">
               <a:rPr lang="de-DE" smtClean="0"/>
-              <a:t>26.02.2024</a:t>
+              <a:t>29.02.2024</a:t>
             </a:fld>
             <a:endParaRPr lang="de-DE"/>
           </a:p>
@@ -2729,7 +2953,7 @@
           <a:p>
             <a:fld id="{498B1C74-F59F-4DD0-82BC-6493AE2D9975}" type="datetimeFigureOut">
               <a:rPr lang="de-DE" smtClean="0"/>
-              <a:t>26.02.2024</a:t>
+              <a:t>29.02.2024</a:t>
             </a:fld>
             <a:endParaRPr lang="de-DE"/>
           </a:p>
@@ -2970,7 +3194,7 @@
           <a:p>
             <a:fld id="{498B1C74-F59F-4DD0-82BC-6493AE2D9975}" type="datetimeFigureOut">
               <a:rPr lang="de-DE" smtClean="0"/>
-              <a:t>26.02.2024</a:t>
+              <a:t>29.02.2024</a:t>
             </a:fld>
             <a:endParaRPr lang="de-DE"/>
           </a:p>
@@ -3401,13 +3625,18 @@
         </p:nvSpPr>
         <p:spPr>
           <a:xfrm>
-            <a:off x="4384966" y="539652"/>
+            <a:off x="4384966" y="217248"/>
             <a:ext cx="3052376" cy="646331"/>
           </a:xfrm>
           <a:prstGeom prst="rect">
             <a:avLst/>
           </a:prstGeom>
-          <a:noFill/>
+          <a:solidFill>
+            <a:schemeClr val="accent3">
+              <a:lumMod val="20000"/>
+              <a:lumOff val="80000"/>
+            </a:schemeClr>
+          </a:solidFill>
           <a:ln>
             <a:solidFill>
               <a:schemeClr val="tx1"/>
@@ -3473,13 +3702,17 @@
         </p:nvSpPr>
         <p:spPr>
           <a:xfrm>
-            <a:off x="370709" y="1943967"/>
+            <a:off x="370709" y="1621563"/>
             <a:ext cx="1639454" cy="2031325"/>
           </a:xfrm>
           <a:prstGeom prst="rect">
             <a:avLst/>
           </a:prstGeom>
-          <a:noFill/>
+          <a:solidFill>
+            <a:schemeClr val="bg1">
+              <a:lumMod val="95000"/>
+            </a:schemeClr>
+          </a:solidFill>
           <a:ln w="9525">
             <a:solidFill>
               <a:schemeClr val="tx1"/>
@@ -3566,13 +3799,17 @@
         </p:nvSpPr>
         <p:spPr>
           <a:xfrm>
-            <a:off x="2470476" y="1943022"/>
+            <a:off x="2470476" y="1620618"/>
             <a:ext cx="1420250" cy="1477328"/>
           </a:xfrm>
           <a:prstGeom prst="rect">
             <a:avLst/>
           </a:prstGeom>
-          <a:noFill/>
+          <a:solidFill>
+            <a:schemeClr val="bg1">
+              <a:lumMod val="95000"/>
+            </a:schemeClr>
+          </a:solidFill>
           <a:ln>
             <a:solidFill>
               <a:schemeClr val="tx1"/>
@@ -3631,13 +3868,17 @@
         </p:nvSpPr>
         <p:spPr>
           <a:xfrm>
-            <a:off x="4348502" y="1943022"/>
+            <a:off x="4347289" y="1613415"/>
             <a:ext cx="1420250" cy="1477328"/>
           </a:xfrm>
           <a:prstGeom prst="rect">
             <a:avLst/>
           </a:prstGeom>
-          <a:noFill/>
+          <a:solidFill>
+            <a:schemeClr val="bg1">
+              <a:lumMod val="95000"/>
+            </a:schemeClr>
+          </a:solidFill>
           <a:ln>
             <a:solidFill>
               <a:schemeClr val="tx1"/>
@@ -3714,13 +3955,17 @@
         </p:nvSpPr>
         <p:spPr>
           <a:xfrm>
-            <a:off x="6223189" y="1943022"/>
+            <a:off x="6223189" y="1620618"/>
             <a:ext cx="1420250" cy="3139321"/>
           </a:xfrm>
           <a:prstGeom prst="rect">
             <a:avLst/>
           </a:prstGeom>
-          <a:noFill/>
+          <a:solidFill>
+            <a:schemeClr val="bg1">
+              <a:lumMod val="95000"/>
+            </a:schemeClr>
+          </a:solidFill>
           <a:ln>
             <a:solidFill>
               <a:schemeClr val="tx1"/>
@@ -3832,13 +4077,17 @@
         </p:nvSpPr>
         <p:spPr>
           <a:xfrm>
-            <a:off x="8102565" y="1943022"/>
+            <a:off x="8102890" y="1647410"/>
             <a:ext cx="1420250" cy="2585323"/>
           </a:xfrm>
           <a:prstGeom prst="rect">
             <a:avLst/>
           </a:prstGeom>
-          <a:noFill/>
+          <a:solidFill>
+            <a:schemeClr val="bg1">
+              <a:lumMod val="95000"/>
+            </a:schemeClr>
+          </a:solidFill>
           <a:ln>
             <a:solidFill>
               <a:schemeClr val="tx1"/>
@@ -3957,13 +4206,17 @@
         </p:nvSpPr>
         <p:spPr>
           <a:xfrm>
-            <a:off x="9972415" y="1943968"/>
+            <a:off x="9972415" y="1621564"/>
             <a:ext cx="1559185" cy="2308324"/>
           </a:xfrm>
           <a:prstGeom prst="rect">
             <a:avLst/>
           </a:prstGeom>
-          <a:noFill/>
+          <a:solidFill>
+            <a:schemeClr val="bg1">
+              <a:lumMod val="95000"/>
+            </a:schemeClr>
+          </a:solidFill>
           <a:ln>
             <a:solidFill>
               <a:schemeClr val="tx1"/>
@@ -4044,7 +4297,7 @@
         </p:nvCxnSpPr>
         <p:spPr>
           <a:xfrm>
-            <a:off x="2016732" y="2958684"/>
+            <a:off x="2016732" y="2636280"/>
             <a:ext cx="453744" cy="0"/>
           </a:xfrm>
           <a:prstGeom prst="straightConnector1">
@@ -4083,7 +4336,7 @@
         </p:nvCxnSpPr>
         <p:spPr>
           <a:xfrm>
-            <a:off x="3897295" y="2984229"/>
+            <a:off x="3897295" y="2661825"/>
             <a:ext cx="451207" cy="0"/>
           </a:xfrm>
           <a:prstGeom prst="straightConnector1">
@@ -4117,13 +4370,15 @@
               </a:ext>
             </a:extLst>
           </p:cNvPr>
-          <p:cNvCxnSpPr/>
+          <p:cNvCxnSpPr>
+            <a:cxnSpLocks/>
+          </p:cNvCxnSpPr>
           <p:nvPr/>
         </p:nvCxnSpPr>
         <p:spPr>
           <a:xfrm>
-            <a:off x="5785403" y="2984229"/>
-            <a:ext cx="449674" cy="0"/>
+            <a:off x="5767539" y="2661825"/>
+            <a:ext cx="467538" cy="0"/>
           </a:xfrm>
           <a:prstGeom prst="straightConnector1">
             <a:avLst/>
@@ -4161,7 +4416,7 @@
         </p:nvCxnSpPr>
         <p:spPr>
           <a:xfrm>
-            <a:off x="7651358" y="2984229"/>
+            <a:off x="7651358" y="2661825"/>
             <a:ext cx="451207" cy="0"/>
           </a:xfrm>
           <a:prstGeom prst="straightConnector1">
@@ -4200,7 +4455,7 @@
         </p:nvCxnSpPr>
         <p:spPr>
           <a:xfrm>
-            <a:off x="9521208" y="2998023"/>
+            <a:off x="9521208" y="2675619"/>
             <a:ext cx="451207" cy="0"/>
           </a:xfrm>
           <a:prstGeom prst="straightConnector1">
@@ -4242,8 +4497,8 @@
         </p:nvCxnSpPr>
         <p:spPr>
           <a:xfrm>
-            <a:off x="8812690" y="4528345"/>
-            <a:ext cx="0" cy="898626"/>
+            <a:off x="8813015" y="4232733"/>
+            <a:ext cx="0" cy="708462"/>
           </a:xfrm>
           <a:prstGeom prst="line">
             <a:avLst/>
@@ -4279,9 +4534,9 @@
           <p:nvPr/>
         </p:nvCxnSpPr>
         <p:spPr>
-          <a:xfrm flipH="1" flipV="1">
-            <a:off x="3022417" y="3974347"/>
-            <a:ext cx="6599" cy="1832684"/>
+          <a:xfrm flipV="1">
+            <a:off x="3205886" y="3090743"/>
+            <a:ext cx="0" cy="2105605"/>
           </a:xfrm>
           <a:prstGeom prst="straightConnector1">
             <a:avLst/>
@@ -4321,8 +4576,8 @@
         </p:nvCxnSpPr>
         <p:spPr>
           <a:xfrm flipV="1">
-            <a:off x="3456265" y="3974347"/>
-            <a:ext cx="0" cy="1452623"/>
+            <a:off x="3583265" y="3090743"/>
+            <a:ext cx="0" cy="1843248"/>
           </a:xfrm>
           <a:prstGeom prst="straightConnector1">
             <a:avLst/>
@@ -4362,8 +4617,8 @@
         </p:nvCxnSpPr>
         <p:spPr>
           <a:xfrm>
-            <a:off x="3456265" y="5426971"/>
-            <a:ext cx="5356425" cy="0"/>
+            <a:off x="3576037" y="4933991"/>
+            <a:ext cx="5236978" cy="0"/>
           </a:xfrm>
           <a:prstGeom prst="line">
             <a:avLst/>
@@ -4400,8 +4655,8 @@
         </p:nvCxnSpPr>
         <p:spPr>
           <a:xfrm>
-            <a:off x="3029016" y="5807031"/>
-            <a:ext cx="7722991" cy="0"/>
+            <a:off x="3205886" y="5196348"/>
+            <a:ext cx="7298471" cy="0"/>
           </a:xfrm>
           <a:prstGeom prst="line">
             <a:avLst/>
@@ -4438,8 +4693,8 @@
         </p:nvCxnSpPr>
         <p:spPr>
           <a:xfrm>
-            <a:off x="10752007" y="4252292"/>
-            <a:ext cx="0" cy="1554740"/>
+            <a:off x="10504357" y="3929888"/>
+            <a:ext cx="0" cy="1266460"/>
           </a:xfrm>
           <a:prstGeom prst="line">
             <a:avLst/>
@@ -4476,7 +4731,7 @@
         </p:nvCxnSpPr>
         <p:spPr>
           <a:xfrm>
-            <a:off x="8790138" y="1578871"/>
+            <a:off x="8790138" y="1256467"/>
             <a:ext cx="0" cy="364151"/>
           </a:xfrm>
           <a:prstGeom prst="straightConnector1">
@@ -4517,7 +4772,7 @@
         </p:nvCxnSpPr>
         <p:spPr>
           <a:xfrm>
-            <a:off x="3148284" y="1578871"/>
+            <a:off x="3148284" y="1256467"/>
             <a:ext cx="0" cy="364151"/>
           </a:xfrm>
           <a:prstGeom prst="straightConnector1">
@@ -4558,7 +4813,7 @@
         </p:nvCxnSpPr>
         <p:spPr>
           <a:xfrm>
-            <a:off x="3148284" y="1578871"/>
+            <a:off x="3148284" y="1256467"/>
             <a:ext cx="5641854" cy="0"/>
           </a:xfrm>
           <a:prstGeom prst="line">
@@ -4596,7 +4851,7 @@
         </p:nvCxnSpPr>
         <p:spPr>
           <a:xfrm>
-            <a:off x="5969211" y="1185983"/>
+            <a:off x="5969211" y="863579"/>
             <a:ext cx="0" cy="392888"/>
           </a:xfrm>
           <a:prstGeom prst="line">
@@ -4634,7 +4889,7 @@
         </p:nvCxnSpPr>
         <p:spPr>
           <a:xfrm>
-            <a:off x="10752007" y="862817"/>
+            <a:off x="10752007" y="540413"/>
             <a:ext cx="0" cy="1080205"/>
           </a:xfrm>
           <a:prstGeom prst="line">
@@ -4673,7 +4928,7 @@
         </p:nvCxnSpPr>
         <p:spPr>
           <a:xfrm flipH="1">
-            <a:off x="7437342" y="862817"/>
+            <a:off x="7437342" y="540413"/>
             <a:ext cx="3314666" cy="1"/>
           </a:xfrm>
           <a:prstGeom prst="straightConnector1">
@@ -4714,7 +4969,7 @@
         </p:nvCxnSpPr>
         <p:spPr>
           <a:xfrm>
-            <a:off x="6770838" y="1578871"/>
+            <a:off x="6770838" y="1256467"/>
             <a:ext cx="0" cy="364151"/>
           </a:xfrm>
           <a:prstGeom prst="straightConnector1">
@@ -4753,13 +5008,17 @@
         </p:nvSpPr>
         <p:spPr>
           <a:xfrm>
-            <a:off x="370709" y="5470598"/>
-            <a:ext cx="3520017" cy="1200329"/>
+            <a:off x="367774" y="4610196"/>
+            <a:ext cx="1639451" cy="2031325"/>
           </a:xfrm>
           <a:prstGeom prst="rect">
             <a:avLst/>
           </a:prstGeom>
-          <a:noFill/>
+          <a:solidFill>
+            <a:schemeClr val="bg1">
+              <a:lumMod val="95000"/>
+            </a:schemeClr>
+          </a:solidFill>
           <a:ln>
             <a:solidFill>
               <a:schemeClr val="tx1"/>
@@ -4793,7 +5052,27 @@
                 <a:latin typeface="Times New Roman" panose="02020603050405020304" pitchFamily="18" charset="0"/>
                 <a:cs typeface="Times New Roman" panose="02020603050405020304" pitchFamily="18" charset="0"/>
               </a:rPr>
-              <a:t>Potential non-occupational stressors</a:t>
+              <a:t>Potential </a:t>
+            </a:r>
+          </a:p>
+          <a:p>
+            <a:pPr algn="ctr"/>
+            <a:r>
+              <a:rPr lang="en-US" dirty="0">
+                <a:latin typeface="Times New Roman" panose="02020603050405020304" pitchFamily="18" charset="0"/>
+                <a:cs typeface="Times New Roman" panose="02020603050405020304" pitchFamily="18" charset="0"/>
+              </a:rPr>
+              <a:t>non-occupational </a:t>
+            </a:r>
+          </a:p>
+          <a:p>
+            <a:pPr algn="ctr"/>
+            <a:r>
+              <a:rPr lang="en-US" dirty="0">
+                <a:latin typeface="Times New Roman" panose="02020603050405020304" pitchFamily="18" charset="0"/>
+                <a:cs typeface="Times New Roman" panose="02020603050405020304" pitchFamily="18" charset="0"/>
+              </a:rPr>
+              <a:t>stressors</a:t>
             </a:r>
           </a:p>
           <a:p>
@@ -4818,13 +5097,17 @@
         </p:nvSpPr>
         <p:spPr>
           <a:xfrm>
-            <a:off x="8901639" y="5470598"/>
+            <a:off x="8900581" y="5441192"/>
             <a:ext cx="2629961" cy="1200329"/>
           </a:xfrm>
           <a:prstGeom prst="rect">
             <a:avLst/>
           </a:prstGeom>
-          <a:noFill/>
+          <a:solidFill>
+            <a:schemeClr val="bg1">
+              <a:lumMod val="95000"/>
+            </a:schemeClr>
+          </a:solidFill>
           <a:ln>
             <a:solidFill>
               <a:schemeClr val="tx1"/>
@@ -4869,6 +5152,167 @@
           </a:p>
         </p:txBody>
       </p:sp>
+      <p:cxnSp>
+        <p:nvCxnSpPr>
+          <p:cNvPr id="46" name="Gerade Verbindung mit Pfeil 45">
+            <a:extLst>
+              <a:ext uri="{FF2B5EF4-FFF2-40B4-BE49-F238E27FC236}">
+                <a16:creationId xmlns:a16="http://schemas.microsoft.com/office/drawing/2014/main" id="{0E4DF981-1C9B-45D9-A57E-E8EC4C6279F9}"/>
+              </a:ext>
+            </a:extLst>
+          </p:cNvPr>
+          <p:cNvCxnSpPr>
+            <a:cxnSpLocks/>
+          </p:cNvCxnSpPr>
+          <p:nvPr/>
+        </p:nvCxnSpPr>
+        <p:spPr>
+          <a:xfrm>
+            <a:off x="10986406" y="3929888"/>
+            <a:ext cx="0" cy="1511304"/>
+          </a:xfrm>
+          <a:prstGeom prst="straightConnector1">
+            <a:avLst/>
+          </a:prstGeom>
+          <a:ln>
+            <a:tailEnd type="triangle"/>
+          </a:ln>
+        </p:spPr>
+        <p:style>
+          <a:lnRef idx="1">
+            <a:schemeClr val="dk1"/>
+          </a:lnRef>
+          <a:fillRef idx="0">
+            <a:schemeClr val="dk1"/>
+          </a:fillRef>
+          <a:effectRef idx="0">
+            <a:schemeClr val="dk1"/>
+          </a:effectRef>
+          <a:fontRef idx="minor">
+            <a:schemeClr val="tx1"/>
+          </a:fontRef>
+        </p:style>
+      </p:cxnSp>
+      <p:cxnSp>
+        <p:nvCxnSpPr>
+          <p:cNvPr id="47" name="Gerade Verbindung mit Pfeil 46">
+            <a:extLst>
+              <a:ext uri="{FF2B5EF4-FFF2-40B4-BE49-F238E27FC236}">
+                <a16:creationId xmlns:a16="http://schemas.microsoft.com/office/drawing/2014/main" id="{7032950F-EE16-4501-9503-C9BA8F6DEF89}"/>
+              </a:ext>
+            </a:extLst>
+          </p:cNvPr>
+          <p:cNvCxnSpPr>
+            <a:cxnSpLocks/>
+          </p:cNvCxnSpPr>
+          <p:nvPr/>
+        </p:nvCxnSpPr>
+        <p:spPr>
+          <a:xfrm flipH="1" flipV="1">
+            <a:off x="2015144" y="6026333"/>
+            <a:ext cx="6884908" cy="14005"/>
+          </a:xfrm>
+          <a:prstGeom prst="straightConnector1">
+            <a:avLst/>
+          </a:prstGeom>
+          <a:ln>
+            <a:tailEnd type="triangle"/>
+          </a:ln>
+        </p:spPr>
+        <p:style>
+          <a:lnRef idx="1">
+            <a:schemeClr val="dk1"/>
+          </a:lnRef>
+          <a:fillRef idx="0">
+            <a:schemeClr val="dk1"/>
+          </a:fillRef>
+          <a:effectRef idx="0">
+            <a:schemeClr val="dk1"/>
+          </a:effectRef>
+          <a:fontRef idx="minor">
+            <a:schemeClr val="tx1"/>
+          </a:fontRef>
+        </p:style>
+      </p:cxnSp>
+      <p:cxnSp>
+        <p:nvCxnSpPr>
+          <p:cNvPr id="50" name="Gerade Verbindung 42">
+            <a:extLst>
+              <a:ext uri="{FF2B5EF4-FFF2-40B4-BE49-F238E27FC236}">
+                <a16:creationId xmlns:a16="http://schemas.microsoft.com/office/drawing/2014/main" id="{8C3F60A8-BAB2-4CED-A28B-133F9CB89FB1}"/>
+              </a:ext>
+            </a:extLst>
+          </p:cNvPr>
+          <p:cNvCxnSpPr>
+            <a:cxnSpLocks/>
+          </p:cNvCxnSpPr>
+          <p:nvPr/>
+        </p:nvCxnSpPr>
+        <p:spPr>
+          <a:xfrm>
+            <a:off x="2016732" y="5639524"/>
+            <a:ext cx="797224" cy="0"/>
+          </a:xfrm>
+          <a:prstGeom prst="line">
+            <a:avLst/>
+          </a:prstGeom>
+        </p:spPr>
+        <p:style>
+          <a:lnRef idx="1">
+            <a:schemeClr val="dk1"/>
+          </a:lnRef>
+          <a:fillRef idx="0">
+            <a:schemeClr val="dk1"/>
+          </a:fillRef>
+          <a:effectRef idx="0">
+            <a:schemeClr val="dk1"/>
+          </a:effectRef>
+          <a:fontRef idx="minor">
+            <a:schemeClr val="tx1"/>
+          </a:fontRef>
+        </p:style>
+      </p:cxnSp>
+      <p:cxnSp>
+        <p:nvCxnSpPr>
+          <p:cNvPr id="52" name="Gerade Verbindung mit Pfeil 51">
+            <a:extLst>
+              <a:ext uri="{FF2B5EF4-FFF2-40B4-BE49-F238E27FC236}">
+                <a16:creationId xmlns:a16="http://schemas.microsoft.com/office/drawing/2014/main" id="{5914E9D3-C50B-4D4A-8F19-F3EA37EC8C41}"/>
+              </a:ext>
+            </a:extLst>
+          </p:cNvPr>
+          <p:cNvCxnSpPr>
+            <a:cxnSpLocks/>
+          </p:cNvCxnSpPr>
+          <p:nvPr/>
+        </p:nvCxnSpPr>
+        <p:spPr>
+          <a:xfrm flipV="1">
+            <a:off x="2813956" y="3090744"/>
+            <a:ext cx="0" cy="2548780"/>
+          </a:xfrm>
+          <a:prstGeom prst="straightConnector1">
+            <a:avLst/>
+          </a:prstGeom>
+          <a:ln>
+            <a:tailEnd type="triangle"/>
+          </a:ln>
+        </p:spPr>
+        <p:style>
+          <a:lnRef idx="1">
+            <a:schemeClr val="dk1"/>
+          </a:lnRef>
+          <a:fillRef idx="0">
+            <a:schemeClr val="dk1"/>
+          </a:fillRef>
+          <a:effectRef idx="0">
+            <a:schemeClr val="dk1"/>
+          </a:effectRef>
+          <a:fontRef idx="minor">
+            <a:schemeClr val="tx1"/>
+          </a:fontRef>
+        </p:style>
+      </p:cxnSp>
     </p:spTree>
     <p:extLst>
       <p:ext uri="{BB962C8B-B14F-4D97-AF65-F5344CB8AC3E}">
